--- a/doc/masters/pipeline.pptx
+++ b/doc/masters/pipeline.pptx
@@ -104,6 +104,22 @@
       </a:defRPr>
     </a:lvl9pPr>
   </p:defaultTextStyle>
+  <p:extLst>
+    <p:ext uri="{EFAFB233-063F-42B5-8137-9DF3F51BA10A}">
+      <p15:sldGuideLst xmlns:p15="http://schemas.microsoft.com/office/powerpoint/2012/main">
+        <p15:guide id="1" orient="horz" pos="2112">
+          <p15:clr>
+            <a:srgbClr val="A4A3A4"/>
+          </p15:clr>
+        </p15:guide>
+        <p15:guide id="2" pos="2592">
+          <p15:clr>
+            <a:srgbClr val="A4A3A4"/>
+          </p15:clr>
+        </p15:guide>
+      </p15:sldGuideLst>
+    </p:ext>
+  </p:extLst>
 </p:presentation>
 </file>
 
@@ -288,7 +304,7 @@
           <a:p>
             <a:fld id="{7DB9B9AE-4B4F-FA4A-B464-4D3F900AED48}" type="datetimeFigureOut">
               <a:rPr lang="en-US" smtClean="0"/>
-              <a:t>5/30/12</a:t>
+              <a:t>12/13/18</a:t>
             </a:fld>
             <a:endParaRPr lang="en-US"/>
           </a:p>
@@ -453,7 +469,7 @@
           <a:p>
             <a:fld id="{7DB9B9AE-4B4F-FA4A-B464-4D3F900AED48}" type="datetimeFigureOut">
               <a:rPr lang="en-US" smtClean="0"/>
-              <a:t>5/30/12</a:t>
+              <a:t>12/13/18</a:t>
             </a:fld>
             <a:endParaRPr lang="en-US"/>
           </a:p>
@@ -628,7 +644,7 @@
           <a:p>
             <a:fld id="{7DB9B9AE-4B4F-FA4A-B464-4D3F900AED48}" type="datetimeFigureOut">
               <a:rPr lang="en-US" smtClean="0"/>
-              <a:t>5/30/12</a:t>
+              <a:t>12/13/18</a:t>
             </a:fld>
             <a:endParaRPr lang="en-US"/>
           </a:p>
@@ -793,7 +809,7 @@
           <a:p>
             <a:fld id="{7DB9B9AE-4B4F-FA4A-B464-4D3F900AED48}" type="datetimeFigureOut">
               <a:rPr lang="en-US" smtClean="0"/>
-              <a:t>5/30/12</a:t>
+              <a:t>12/13/18</a:t>
             </a:fld>
             <a:endParaRPr lang="en-US"/>
           </a:p>
@@ -1034,7 +1050,7 @@
           <a:p>
             <a:fld id="{7DB9B9AE-4B4F-FA4A-B464-4D3F900AED48}" type="datetimeFigureOut">
               <a:rPr lang="en-US" smtClean="0"/>
-              <a:t>5/30/12</a:t>
+              <a:t>12/13/18</a:t>
             </a:fld>
             <a:endParaRPr lang="en-US"/>
           </a:p>
@@ -1317,7 +1333,7 @@
           <a:p>
             <a:fld id="{7DB9B9AE-4B4F-FA4A-B464-4D3F900AED48}" type="datetimeFigureOut">
               <a:rPr lang="en-US" smtClean="0"/>
-              <a:t>5/30/12</a:t>
+              <a:t>12/13/18</a:t>
             </a:fld>
             <a:endParaRPr lang="en-US"/>
           </a:p>
@@ -1734,7 +1750,7 @@
           <a:p>
             <a:fld id="{7DB9B9AE-4B4F-FA4A-B464-4D3F900AED48}" type="datetimeFigureOut">
               <a:rPr lang="en-US" smtClean="0"/>
-              <a:t>5/30/12</a:t>
+              <a:t>12/13/18</a:t>
             </a:fld>
             <a:endParaRPr lang="en-US"/>
           </a:p>
@@ -1847,7 +1863,7 @@
           <a:p>
             <a:fld id="{7DB9B9AE-4B4F-FA4A-B464-4D3F900AED48}" type="datetimeFigureOut">
               <a:rPr lang="en-US" smtClean="0"/>
-              <a:t>5/30/12</a:t>
+              <a:t>12/13/18</a:t>
             </a:fld>
             <a:endParaRPr lang="en-US"/>
           </a:p>
@@ -1937,7 +1953,7 @@
           <a:p>
             <a:fld id="{7DB9B9AE-4B4F-FA4A-B464-4D3F900AED48}" type="datetimeFigureOut">
               <a:rPr lang="en-US" smtClean="0"/>
-              <a:t>5/30/12</a:t>
+              <a:t>12/13/18</a:t>
             </a:fld>
             <a:endParaRPr lang="en-US"/>
           </a:p>
@@ -2209,7 +2225,7 @@
           <a:p>
             <a:fld id="{7DB9B9AE-4B4F-FA4A-B464-4D3F900AED48}" type="datetimeFigureOut">
               <a:rPr lang="en-US" smtClean="0"/>
-              <a:t>5/30/12</a:t>
+              <a:t>12/13/18</a:t>
             </a:fld>
             <a:endParaRPr lang="en-US"/>
           </a:p>
@@ -2457,7 +2473,7 @@
           <a:p>
             <a:fld id="{7DB9B9AE-4B4F-FA4A-B464-4D3F900AED48}" type="datetimeFigureOut">
               <a:rPr lang="en-US" smtClean="0"/>
-              <a:t>5/30/12</a:t>
+              <a:t>12/13/18</a:t>
             </a:fld>
             <a:endParaRPr lang="en-US"/>
           </a:p>
@@ -2665,7 +2681,7 @@
           <a:p>
             <a:fld id="{7DB9B9AE-4B4F-FA4A-B464-4D3F900AED48}" type="datetimeFigureOut">
               <a:rPr lang="en-US" smtClean="0"/>
-              <a:t>5/30/12</a:t>
+              <a:t>12/13/18</a:t>
             </a:fld>
             <a:endParaRPr lang="en-US"/>
           </a:p>
@@ -3043,7 +3059,7 @@
         </p:nvSpPr>
         <p:spPr>
           <a:xfrm>
-            <a:off x="2057400" y="2179958"/>
+            <a:off x="2057400" y="3352800"/>
             <a:ext cx="800100" cy="746557"/>
           </a:xfrm>
           <a:prstGeom prst="rect">
@@ -3107,7 +3123,7 @@
         </p:nvSpPr>
         <p:spPr>
           <a:xfrm>
-            <a:off x="5562600" y="2179958"/>
+            <a:off x="5562600" y="3352800"/>
             <a:ext cx="1004888" cy="746557"/>
           </a:xfrm>
           <a:prstGeom prst="rect">
@@ -3267,7 +3283,7 @@
         </p:nvSpPr>
         <p:spPr>
           <a:xfrm>
-            <a:off x="3196692" y="2179958"/>
+            <a:off x="3196692" y="3352800"/>
             <a:ext cx="800100" cy="746557"/>
           </a:xfrm>
           <a:prstGeom prst="rect">
@@ -3381,7 +3397,7 @@
         <p:spPr>
           <a:xfrm flipV="1">
             <a:off x="6567488" y="1843292"/>
-            <a:ext cx="1275702" cy="709945"/>
+            <a:ext cx="1275702" cy="1882787"/>
           </a:xfrm>
           <a:prstGeom prst="bentConnector2">
             <a:avLst/>
@@ -3458,7 +3474,7 @@
                   </a:schemeClr>
                 </a:solidFill>
               </a:rPr>
-              <a:t>Filter</a:t>
+              <a:t>Filters</a:t>
             </a:r>
             <a:endParaRPr lang="en-US" sz="1400" dirty="0">
               <a:solidFill>
@@ -3540,7 +3556,7 @@
         <p:spPr>
           <a:xfrm rot="10800000">
             <a:off x="1238250" y="1805093"/>
-            <a:ext cx="819150" cy="748145"/>
+            <a:ext cx="819150" cy="1920987"/>
           </a:xfrm>
           <a:prstGeom prst="bentConnector2">
             <a:avLst/>
@@ -3582,7 +3598,7 @@
         <p:spPr>
           <a:xfrm>
             <a:off x="3612783" y="392668"/>
-            <a:ext cx="1545878" cy="369332"/>
+            <a:ext cx="1675843" cy="369332"/>
           </a:xfrm>
           <a:prstGeom prst="rect">
             <a:avLst/>
@@ -3597,37 +3613,7 @@
           <a:p>
             <a:r>
               <a:rPr lang="en-US" dirty="0" smtClean="0"/>
-              <a:t>Incoming Flow</a:t>
-            </a:r>
-            <a:endParaRPr lang="en-US" dirty="0"/>
-          </a:p>
-        </p:txBody>
-      </p:sp>
-      <p:sp>
-        <p:nvSpPr>
-          <p:cNvPr id="122" name="TextBox 121"/>
-          <p:cNvSpPr txBox="1"/>
-          <p:nvPr/>
-        </p:nvSpPr>
-        <p:spPr>
-          <a:xfrm>
-            <a:off x="3652330" y="3119648"/>
-            <a:ext cx="1544864" cy="369332"/>
-          </a:xfrm>
-          <a:prstGeom prst="rect">
-            <a:avLst/>
-          </a:prstGeom>
-          <a:noFill/>
-        </p:spPr>
-        <p:txBody>
-          <a:bodyPr wrap="none" rtlCol="0">
-            <a:spAutoFit/>
-          </a:bodyPr>
-          <a:lstStyle/>
-          <a:p>
-            <a:r>
-              <a:rPr lang="en-US" dirty="0" smtClean="0"/>
-              <a:t>Outgoing Flow</a:t>
+              <a:t>Processing Flow</a:t>
             </a:r>
             <a:endParaRPr lang="en-US" dirty="0"/>
           </a:p>
@@ -3641,7 +3627,7 @@
         </p:nvSpPr>
         <p:spPr>
           <a:xfrm>
-            <a:off x="5562600" y="1020332"/>
+            <a:off x="5715653" y="1020332"/>
             <a:ext cx="1004888" cy="784760"/>
           </a:xfrm>
           <a:prstGeom prst="rect">
@@ -3681,7 +3667,22 @@
                   <a:schemeClr val="bg1"/>
                 </a:solidFill>
               </a:rPr>
-              <a:t>HTTP Core</a:t>
+              <a:t>HTTP/1</a:t>
+            </a:r>
+            <a:br>
+              <a:rPr lang="en-US" sz="1400" b="1" dirty="0" smtClean="0">
+                <a:solidFill>
+                  <a:schemeClr val="bg1"/>
+                </a:solidFill>
+              </a:rPr>
+            </a:br>
+            <a:r>
+              <a:rPr lang="en-US" sz="1400" b="1" dirty="0" smtClean="0">
+                <a:solidFill>
+                  <a:schemeClr val="bg1"/>
+                </a:solidFill>
+              </a:rPr>
+              <a:t>HTTP/2</a:t>
             </a:r>
             <a:endParaRPr lang="en-US" sz="1400" dirty="0">
               <a:solidFill>
@@ -3699,7 +3700,7 @@
         </p:nvSpPr>
         <p:spPr>
           <a:xfrm>
-            <a:off x="4385723" y="2179958"/>
+            <a:off x="4385723" y="3352800"/>
             <a:ext cx="800100" cy="746557"/>
           </a:xfrm>
           <a:prstGeom prst="rect">
@@ -3939,7 +3940,7 @@
         </p:nvCxnSpPr>
         <p:spPr>
           <a:xfrm>
-            <a:off x="5185823" y="2553237"/>
+            <a:off x="5185823" y="3726079"/>
             <a:ext cx="376777" cy="0"/>
           </a:xfrm>
           <a:prstGeom prst="straightConnector1">
@@ -3975,7 +3976,7 @@
         </p:nvCxnSpPr>
         <p:spPr>
           <a:xfrm>
-            <a:off x="3996792" y="2553237"/>
+            <a:off x="3996792" y="3726079"/>
             <a:ext cx="388931" cy="0"/>
           </a:xfrm>
           <a:prstGeom prst="straightConnector1">
@@ -4010,7 +4011,7 @@
         </p:nvCxnSpPr>
         <p:spPr>
           <a:xfrm>
-            <a:off x="2857500" y="2553237"/>
+            <a:off x="2857500" y="3726079"/>
             <a:ext cx="339192" cy="1"/>
           </a:xfrm>
           <a:prstGeom prst="straightConnector1">
@@ -4047,7 +4048,7 @@
         <p:spPr>
           <a:xfrm flipH="1">
             <a:off x="5197195" y="1412712"/>
-            <a:ext cx="365405" cy="0"/>
+            <a:ext cx="518458" cy="0"/>
           </a:xfrm>
           <a:prstGeom prst="straightConnector1">
             <a:avLst/>
@@ -4071,6 +4072,357 @@
           </a:fontRef>
         </p:style>
       </p:cxnSp>
+      <p:sp>
+        <p:nvSpPr>
+          <p:cNvPr id="26" name="Rectangle 25"/>
+          <p:cNvSpPr/>
+          <p:nvPr/>
+        </p:nvSpPr>
+        <p:spPr>
+          <a:xfrm>
+            <a:off x="2029441" y="1979122"/>
+            <a:ext cx="800100" cy="784760"/>
+          </a:xfrm>
+          <a:prstGeom prst="rect">
+            <a:avLst/>
+          </a:prstGeom>
+          <a:ln/>
+        </p:spPr>
+        <p:style>
+          <a:lnRef idx="0">
+            <a:schemeClr val="accent6"/>
+          </a:lnRef>
+          <a:fillRef idx="3">
+            <a:schemeClr val="accent6"/>
+          </a:fillRef>
+          <a:effectRef idx="3">
+            <a:schemeClr val="accent6"/>
+          </a:effectRef>
+          <a:fontRef idx="minor">
+            <a:schemeClr val="lt1"/>
+          </a:fontRef>
+        </p:style>
+        <p:txBody>
+          <a:bodyPr rtlCol="0" anchor="ctr"/>
+          <a:lstStyle/>
+          <a:p>
+            <a:pPr algn="ctr"/>
+            <a:r>
+              <a:rPr lang="en-US" sz="1400" b="1" dirty="0" smtClean="0">
+                <a:solidFill>
+                  <a:schemeClr val="tx1">
+                    <a:lumMod val="65000"/>
+                    <a:lumOff val="35000"/>
+                  </a:schemeClr>
+                </a:solidFill>
+              </a:rPr>
+              <a:t>Filters</a:t>
+            </a:r>
+            <a:endParaRPr lang="en-US" sz="1400" dirty="0">
+              <a:solidFill>
+                <a:schemeClr val="tx1">
+                  <a:lumMod val="65000"/>
+                  <a:lumOff val="35000"/>
+                </a:schemeClr>
+              </a:solidFill>
+            </a:endParaRPr>
+          </a:p>
+        </p:txBody>
+      </p:sp>
+      <p:sp>
+        <p:nvSpPr>
+          <p:cNvPr id="27" name="Rectangle 26"/>
+          <p:cNvSpPr/>
+          <p:nvPr/>
+        </p:nvSpPr>
+        <p:spPr>
+          <a:xfrm>
+            <a:off x="3168733" y="1979122"/>
+            <a:ext cx="800100" cy="784760"/>
+          </a:xfrm>
+          <a:prstGeom prst="rect">
+            <a:avLst/>
+          </a:prstGeom>
+          <a:ln/>
+        </p:spPr>
+        <p:style>
+          <a:lnRef idx="0">
+            <a:schemeClr val="accent6"/>
+          </a:lnRef>
+          <a:fillRef idx="3">
+            <a:schemeClr val="accent6"/>
+          </a:fillRef>
+          <a:effectRef idx="3">
+            <a:schemeClr val="accent6"/>
+          </a:effectRef>
+          <a:fontRef idx="minor">
+            <a:schemeClr val="lt1"/>
+          </a:fontRef>
+        </p:style>
+        <p:txBody>
+          <a:bodyPr rtlCol="0" anchor="ctr"/>
+          <a:lstStyle/>
+          <a:p>
+            <a:pPr algn="ctr"/>
+            <a:r>
+              <a:rPr lang="en-US" sz="1400" b="1" dirty="0" smtClean="0">
+                <a:solidFill>
+                  <a:schemeClr val="tx1">
+                    <a:lumMod val="65000"/>
+                    <a:lumOff val="35000"/>
+                  </a:schemeClr>
+                </a:solidFill>
+              </a:rPr>
+              <a:t>Filter</a:t>
+            </a:r>
+            <a:endParaRPr lang="en-US" sz="1400" dirty="0">
+              <a:solidFill>
+                <a:schemeClr val="tx1">
+                  <a:lumMod val="65000"/>
+                  <a:lumOff val="35000"/>
+                </a:schemeClr>
+              </a:solidFill>
+            </a:endParaRPr>
+          </a:p>
+        </p:txBody>
+      </p:sp>
+      <p:sp>
+        <p:nvSpPr>
+          <p:cNvPr id="29" name="Rectangle 28"/>
+          <p:cNvSpPr/>
+          <p:nvPr/>
+        </p:nvSpPr>
+        <p:spPr>
+          <a:xfrm>
+            <a:off x="4357764" y="1979122"/>
+            <a:ext cx="811472" cy="784760"/>
+          </a:xfrm>
+          <a:prstGeom prst="rect">
+            <a:avLst/>
+          </a:prstGeom>
+          <a:ln/>
+        </p:spPr>
+        <p:style>
+          <a:lnRef idx="0">
+            <a:schemeClr val="accent4"/>
+          </a:lnRef>
+          <a:fillRef idx="3">
+            <a:schemeClr val="accent4"/>
+          </a:fillRef>
+          <a:effectRef idx="3">
+            <a:schemeClr val="accent4"/>
+          </a:effectRef>
+          <a:fontRef idx="minor">
+            <a:schemeClr val="lt1"/>
+          </a:fontRef>
+        </p:style>
+        <p:txBody>
+          <a:bodyPr rtlCol="0" anchor="ctr"/>
+          <a:lstStyle/>
+          <a:p>
+            <a:pPr algn="ctr"/>
+            <a:r>
+              <a:rPr lang="en-US" sz="1400" b="1" dirty="0" smtClean="0">
+                <a:solidFill>
+                  <a:schemeClr val="bg1"/>
+                </a:solidFill>
+              </a:rPr>
+              <a:t>Routing</a:t>
+            </a:r>
+            <a:br>
+              <a:rPr lang="en-US" sz="1400" b="1" dirty="0" smtClean="0">
+                <a:solidFill>
+                  <a:schemeClr val="bg1"/>
+                </a:solidFill>
+              </a:rPr>
+            </a:br>
+            <a:r>
+              <a:rPr lang="en-US" sz="1400" b="1" dirty="0" smtClean="0">
+                <a:solidFill>
+                  <a:schemeClr val="bg1"/>
+                </a:solidFill>
+              </a:rPr>
+              <a:t>Engine</a:t>
+            </a:r>
+            <a:endParaRPr lang="en-US" sz="1400" dirty="0">
+              <a:solidFill>
+                <a:schemeClr val="bg1"/>
+              </a:solidFill>
+            </a:endParaRPr>
+          </a:p>
+        </p:txBody>
+      </p:sp>
+      <p:cxnSp>
+        <p:nvCxnSpPr>
+          <p:cNvPr id="30" name="Straight Arrow Connector 29"/>
+          <p:cNvCxnSpPr/>
+          <p:nvPr/>
+        </p:nvCxnSpPr>
+        <p:spPr>
+          <a:xfrm flipH="1">
+            <a:off x="2829541" y="2371502"/>
+            <a:ext cx="339192" cy="0"/>
+          </a:xfrm>
+          <a:prstGeom prst="straightConnector1">
+            <a:avLst/>
+          </a:prstGeom>
+          <a:ln>
+            <a:tailEnd type="arrow"/>
+          </a:ln>
+        </p:spPr>
+        <p:style>
+          <a:lnRef idx="2">
+            <a:schemeClr val="accent1"/>
+          </a:lnRef>
+          <a:fillRef idx="0">
+            <a:schemeClr val="accent1"/>
+          </a:fillRef>
+          <a:effectRef idx="1">
+            <a:schemeClr val="accent1"/>
+          </a:effectRef>
+          <a:fontRef idx="minor">
+            <a:schemeClr val="tx1"/>
+          </a:fontRef>
+        </p:style>
+      </p:cxnSp>
+      <p:cxnSp>
+        <p:nvCxnSpPr>
+          <p:cNvPr id="31" name="Straight Arrow Connector 30"/>
+          <p:cNvCxnSpPr/>
+          <p:nvPr/>
+        </p:nvCxnSpPr>
+        <p:spPr>
+          <a:xfrm flipH="1">
+            <a:off x="3968833" y="2371502"/>
+            <a:ext cx="388931" cy="0"/>
+          </a:xfrm>
+          <a:prstGeom prst="straightConnector1">
+            <a:avLst/>
+          </a:prstGeom>
+          <a:ln>
+            <a:tailEnd type="arrow"/>
+          </a:ln>
+        </p:spPr>
+        <p:style>
+          <a:lnRef idx="2">
+            <a:schemeClr val="accent1"/>
+          </a:lnRef>
+          <a:fillRef idx="0">
+            <a:schemeClr val="accent1"/>
+          </a:fillRef>
+          <a:effectRef idx="1">
+            <a:schemeClr val="accent1"/>
+          </a:effectRef>
+          <a:fontRef idx="minor">
+            <a:schemeClr val="tx1"/>
+          </a:fontRef>
+        </p:style>
+      </p:cxnSp>
+      <p:cxnSp>
+        <p:nvCxnSpPr>
+          <p:cNvPr id="33" name="Elbow Connector 32"/>
+          <p:cNvCxnSpPr>
+            <a:stCxn id="131" idx="1"/>
+            <a:endCxn id="29" idx="3"/>
+          </p:cNvCxnSpPr>
+          <p:nvPr/>
+        </p:nvCxnSpPr>
+        <p:spPr>
+          <a:xfrm rot="10800000" flipV="1">
+            <a:off x="5169237" y="1412712"/>
+            <a:ext cx="546417" cy="958790"/>
+          </a:xfrm>
+          <a:prstGeom prst="bentConnector3">
+            <a:avLst>
+              <a:gd name="adj1" fmla="val 50000"/>
+            </a:avLst>
+          </a:prstGeom>
+          <a:ln w="28575" cap="flat" cmpd="sng" algn="ctr">
+            <a:solidFill>
+              <a:schemeClr val="tx2">
+                <a:lumMod val="60000"/>
+                <a:lumOff val="40000"/>
+              </a:schemeClr>
+            </a:solidFill>
+            <a:prstDash val="solid"/>
+            <a:round/>
+            <a:headEnd w="med" len="med"/>
+            <a:tailEnd type="triangle" w="med" len="med"/>
+          </a:ln>
+        </p:spPr>
+        <p:style>
+          <a:lnRef idx="2">
+            <a:schemeClr val="accent1"/>
+          </a:lnRef>
+          <a:fillRef idx="0">
+            <a:schemeClr val="accent1"/>
+          </a:fillRef>
+          <a:effectRef idx="1">
+            <a:schemeClr val="accent1"/>
+          </a:effectRef>
+          <a:fontRef idx="minor">
+            <a:schemeClr val="tx1"/>
+          </a:fontRef>
+        </p:style>
+      </p:cxnSp>
+      <p:sp>
+        <p:nvSpPr>
+          <p:cNvPr id="36" name="Rectangle 35"/>
+          <p:cNvSpPr/>
+          <p:nvPr/>
+        </p:nvSpPr>
+        <p:spPr>
+          <a:xfrm>
+            <a:off x="838200" y="1979122"/>
+            <a:ext cx="800100" cy="784760"/>
+          </a:xfrm>
+          <a:prstGeom prst="rect">
+            <a:avLst/>
+          </a:prstGeom>
+          <a:ln/>
+          <a:scene3d>
+            <a:camera prst="orthographicFront"/>
+            <a:lightRig rig="threePt" dir="t"/>
+          </a:scene3d>
+          <a:sp3d>
+            <a:bevelT w="63500" h="25400"/>
+          </a:sp3d>
+        </p:spPr>
+        <p:style>
+          <a:lnRef idx="1">
+            <a:schemeClr val="accent1"/>
+          </a:lnRef>
+          <a:fillRef idx="3">
+            <a:schemeClr val="accent1"/>
+          </a:fillRef>
+          <a:effectRef idx="2">
+            <a:schemeClr val="accent1"/>
+          </a:effectRef>
+          <a:fontRef idx="minor">
+            <a:schemeClr val="lt1"/>
+          </a:fontRef>
+        </p:style>
+        <p:txBody>
+          <a:bodyPr rtlCol="0" anchor="ctr"/>
+          <a:lstStyle/>
+          <a:p>
+            <a:pPr algn="ctr"/>
+            <a:r>
+              <a:rPr lang="en-US" sz="1400" b="1" dirty="0" smtClean="0">
+                <a:solidFill>
+                  <a:schemeClr val="bg1"/>
+                </a:solidFill>
+              </a:rPr>
+              <a:t>Handler</a:t>
+            </a:r>
+            <a:endParaRPr lang="en-US" sz="1400" dirty="0">
+              <a:solidFill>
+                <a:schemeClr val="bg1"/>
+              </a:solidFill>
+            </a:endParaRPr>
+          </a:p>
+        </p:txBody>
+      </p:sp>
     </p:spTree>
   </p:cSld>
   <p:clrMapOvr>
